--- a/云之梦PHP.pptx
+++ b/云之梦PHP.pptx
@@ -13,8 +13,14 @@
     <p:sldId id="262" r:id="rId8"/>
     <p:sldId id="263" r:id="rId9"/>
     <p:sldId id="264" r:id="rId10"/>
-    <p:sldId id="265" r:id="rId11"/>
-    <p:sldId id="266" r:id="rId12"/>
+    <p:sldId id="271" r:id="rId11"/>
+    <p:sldId id="265" r:id="rId12"/>
+    <p:sldId id="266" r:id="rId13"/>
+    <p:sldId id="272" r:id="rId14"/>
+    <p:sldId id="273" r:id="rId15"/>
+    <p:sldId id="274" r:id="rId16"/>
+    <p:sldId id="275" r:id="rId17"/>
+    <p:sldId id="276" r:id="rId18"/>
   </p:sldIdLst>
   <p:sldSz cx="12192000" cy="6858000"/>
   <p:notesSz cx="6858000" cy="9144000"/>
@@ -3008,6 +3014,348 @@
         <p:txBody>
           <a:bodyPr/>
           <a:p>
+            <a:endParaRPr lang="en-US" altLang="zh-CN"/>
+          </a:p>
+        </p:txBody>
+      </p:sp>
+      <p:pic>
+        <p:nvPicPr>
+          <p:cNvPr id="2" name="图片 1"/>
+          <p:cNvPicPr>
+            <a:picLocks noChangeAspect="1"/>
+          </p:cNvPicPr>
+          <p:nvPr/>
+        </p:nvPicPr>
+        <p:blipFill>
+          <a:blip r:embed="rId1"/>
+          <a:stretch>
+            <a:fillRect/>
+          </a:stretch>
+        </p:blipFill>
+        <p:spPr>
+          <a:xfrm>
+            <a:off x="2967355" y="1139825"/>
+            <a:ext cx="6257290" cy="5104765"/>
+          </a:xfrm>
+          <a:prstGeom prst="rect">
+            <a:avLst/>
+          </a:prstGeom>
+        </p:spPr>
+      </p:pic>
+    </p:spTree>
+  </p:cSld>
+  <p:clrMapOvr>
+    <a:masterClrMapping/>
+  </p:clrMapOvr>
+</p:sld>
+</file>
+
+<file path=ppt/slides/slide11.xml><?xml version="1.0" encoding="utf-8"?>
+<p:sld xmlns:a="http://schemas.openxmlformats.org/drawingml/2006/main" xmlns:r="http://schemas.openxmlformats.org/officeDocument/2006/relationships" xmlns:p="http://schemas.openxmlformats.org/presentationml/2006/main">
+  <p:cSld>
+    <p:spTree>
+      <p:nvGrpSpPr>
+        <p:cNvPr id="1" name=""/>
+        <p:cNvGrpSpPr/>
+        <p:nvPr/>
+      </p:nvGrpSpPr>
+      <p:grpSpPr/>
+      <p:sp>
+        <p:nvSpPr>
+          <p:cNvPr id="3" name="副标题 2"/>
+          <p:cNvSpPr>
+            <a:spLocks noGrp="1"/>
+          </p:cNvSpPr>
+          <p:nvPr>
+            <p:ph type="subTitle" idx="1"/>
+          </p:nvPr>
+        </p:nvSpPr>
+        <p:spPr>
+          <a:xfrm>
+            <a:off x="1524000" y="326390"/>
+            <a:ext cx="9144000" cy="551815"/>
+          </a:xfrm>
+        </p:spPr>
+        <p:txBody>
+          <a:bodyPr/>
+          <a:p>
+            <a:endParaRPr lang="zh-CN" altLang="en-US"/>
+          </a:p>
+        </p:txBody>
+      </p:sp>
+      <p:pic>
+        <p:nvPicPr>
+          <p:cNvPr id="4" name="图片 3"/>
+          <p:cNvPicPr>
+            <a:picLocks noChangeAspect="1"/>
+          </p:cNvPicPr>
+          <p:nvPr/>
+        </p:nvPicPr>
+        <p:blipFill>
+          <a:blip r:embed="rId1"/>
+          <a:stretch>
+            <a:fillRect/>
+          </a:stretch>
+        </p:blipFill>
+        <p:spPr>
+          <a:xfrm>
+            <a:off x="5658485" y="1826895"/>
+            <a:ext cx="6238240" cy="4923790"/>
+          </a:xfrm>
+          <a:prstGeom prst="rect">
+            <a:avLst/>
+          </a:prstGeom>
+        </p:spPr>
+      </p:pic>
+      <p:pic>
+        <p:nvPicPr>
+          <p:cNvPr id="5" name="图片 4"/>
+          <p:cNvPicPr>
+            <a:picLocks noChangeAspect="1"/>
+          </p:cNvPicPr>
+          <p:nvPr/>
+        </p:nvPicPr>
+        <p:blipFill>
+          <a:blip r:embed="rId2"/>
+          <a:stretch>
+            <a:fillRect/>
+          </a:stretch>
+        </p:blipFill>
+        <p:spPr>
+          <a:xfrm>
+            <a:off x="46990" y="2540"/>
+            <a:ext cx="6000115" cy="1824355"/>
+          </a:xfrm>
+          <a:prstGeom prst="rect">
+            <a:avLst/>
+          </a:prstGeom>
+        </p:spPr>
+      </p:pic>
+    </p:spTree>
+  </p:cSld>
+  <p:clrMapOvr>
+    <a:masterClrMapping/>
+  </p:clrMapOvr>
+</p:sld>
+</file>
+
+<file path=ppt/slides/slide12.xml><?xml version="1.0" encoding="utf-8"?>
+<p:sld xmlns:a="http://schemas.openxmlformats.org/drawingml/2006/main" xmlns:r="http://schemas.openxmlformats.org/officeDocument/2006/relationships" xmlns:p="http://schemas.openxmlformats.org/presentationml/2006/main">
+  <p:cSld>
+    <p:spTree>
+      <p:nvGrpSpPr>
+        <p:cNvPr id="1" name=""/>
+        <p:cNvGrpSpPr/>
+        <p:nvPr/>
+      </p:nvGrpSpPr>
+      <p:grpSpPr/>
+      <p:sp>
+        <p:nvSpPr>
+          <p:cNvPr id="3" name="副标题 2"/>
+          <p:cNvSpPr>
+            <a:spLocks noGrp="1"/>
+          </p:cNvSpPr>
+          <p:nvPr>
+            <p:ph type="subTitle" idx="1"/>
+          </p:nvPr>
+        </p:nvSpPr>
+        <p:spPr>
+          <a:xfrm>
+            <a:off x="1524000" y="326390"/>
+            <a:ext cx="9144000" cy="551815"/>
+          </a:xfrm>
+        </p:spPr>
+        <p:txBody>
+          <a:bodyPr/>
+          <a:p>
+            <a:endParaRPr lang="zh-CN" altLang="en-US"/>
+          </a:p>
+        </p:txBody>
+      </p:sp>
+      <p:pic>
+        <p:nvPicPr>
+          <p:cNvPr id="4" name="图片 3"/>
+          <p:cNvPicPr>
+            <a:picLocks noChangeAspect="1"/>
+          </p:cNvPicPr>
+          <p:nvPr/>
+        </p:nvPicPr>
+        <p:blipFill>
+          <a:blip r:embed="rId1"/>
+          <a:stretch>
+            <a:fillRect/>
+          </a:stretch>
+        </p:blipFill>
+        <p:spPr>
+          <a:xfrm>
+            <a:off x="1524000" y="878205"/>
+            <a:ext cx="8361680" cy="3466465"/>
+          </a:xfrm>
+          <a:prstGeom prst="rect">
+            <a:avLst/>
+          </a:prstGeom>
+        </p:spPr>
+      </p:pic>
+    </p:spTree>
+  </p:cSld>
+  <p:clrMapOvr>
+    <a:masterClrMapping/>
+  </p:clrMapOvr>
+</p:sld>
+</file>
+
+<file path=ppt/slides/slide13.xml><?xml version="1.0" encoding="utf-8"?>
+<p:sld xmlns:a="http://schemas.openxmlformats.org/drawingml/2006/main" xmlns:r="http://schemas.openxmlformats.org/officeDocument/2006/relationships" xmlns:p="http://schemas.openxmlformats.org/presentationml/2006/main">
+  <p:cSld>
+    <p:spTree>
+      <p:nvGrpSpPr>
+        <p:cNvPr id="1" name=""/>
+        <p:cNvGrpSpPr/>
+        <p:nvPr/>
+      </p:nvGrpSpPr>
+      <p:grpSpPr/>
+      <p:sp>
+        <p:nvSpPr>
+          <p:cNvPr id="3" name="副标题 2"/>
+          <p:cNvSpPr>
+            <a:spLocks noGrp="1"/>
+          </p:cNvSpPr>
+          <p:nvPr>
+            <p:ph type="subTitle" idx="1"/>
+          </p:nvPr>
+        </p:nvSpPr>
+        <p:spPr>
+          <a:xfrm>
+            <a:off x="1524000" y="326390"/>
+            <a:ext cx="9144000" cy="551815"/>
+          </a:xfrm>
+        </p:spPr>
+        <p:txBody>
+          <a:bodyPr/>
+          <a:p>
+            <a:endParaRPr lang="zh-CN" altLang="en-US"/>
+          </a:p>
+        </p:txBody>
+      </p:sp>
+    </p:spTree>
+  </p:cSld>
+  <p:clrMapOvr>
+    <a:masterClrMapping/>
+  </p:clrMapOvr>
+</p:sld>
+</file>
+
+<file path=ppt/slides/slide14.xml><?xml version="1.0" encoding="utf-8"?>
+<p:sld xmlns:a="http://schemas.openxmlformats.org/drawingml/2006/main" xmlns:r="http://schemas.openxmlformats.org/officeDocument/2006/relationships" xmlns:p="http://schemas.openxmlformats.org/presentationml/2006/main">
+  <p:cSld>
+    <p:spTree>
+      <p:nvGrpSpPr>
+        <p:cNvPr id="1" name=""/>
+        <p:cNvGrpSpPr/>
+        <p:nvPr/>
+      </p:nvGrpSpPr>
+      <p:grpSpPr/>
+      <p:sp>
+        <p:nvSpPr>
+          <p:cNvPr id="3" name="副标题 2"/>
+          <p:cNvSpPr>
+            <a:spLocks noGrp="1"/>
+          </p:cNvSpPr>
+          <p:nvPr>
+            <p:ph type="subTitle" idx="1"/>
+          </p:nvPr>
+        </p:nvSpPr>
+        <p:spPr>
+          <a:xfrm>
+            <a:off x="1524000" y="326390"/>
+            <a:ext cx="9144000" cy="551815"/>
+          </a:xfrm>
+        </p:spPr>
+        <p:txBody>
+          <a:bodyPr/>
+          <a:p>
+            <a:endParaRPr lang="zh-CN" altLang="en-US"/>
+          </a:p>
+        </p:txBody>
+      </p:sp>
+    </p:spTree>
+  </p:cSld>
+  <p:clrMapOvr>
+    <a:masterClrMapping/>
+  </p:clrMapOvr>
+</p:sld>
+</file>
+
+<file path=ppt/slides/slide15.xml><?xml version="1.0" encoding="utf-8"?>
+<p:sld xmlns:a="http://schemas.openxmlformats.org/drawingml/2006/main" xmlns:r="http://schemas.openxmlformats.org/officeDocument/2006/relationships" xmlns:p="http://schemas.openxmlformats.org/presentationml/2006/main">
+  <p:cSld>
+    <p:spTree>
+      <p:nvGrpSpPr>
+        <p:cNvPr id="1" name=""/>
+        <p:cNvGrpSpPr/>
+        <p:nvPr/>
+      </p:nvGrpSpPr>
+      <p:grpSpPr/>
+      <p:sp>
+        <p:nvSpPr>
+          <p:cNvPr id="3" name="副标题 2"/>
+          <p:cNvSpPr>
+            <a:spLocks noGrp="1"/>
+          </p:cNvSpPr>
+          <p:nvPr>
+            <p:ph type="subTitle" idx="1"/>
+          </p:nvPr>
+        </p:nvSpPr>
+        <p:spPr>
+          <a:xfrm>
+            <a:off x="1524000" y="326390"/>
+            <a:ext cx="9144000" cy="551815"/>
+          </a:xfrm>
+        </p:spPr>
+        <p:txBody>
+          <a:bodyPr/>
+          <a:p>
+            <a:endParaRPr lang="zh-CN" altLang="en-US"/>
+          </a:p>
+        </p:txBody>
+      </p:sp>
+    </p:spTree>
+  </p:cSld>
+  <p:clrMapOvr>
+    <a:masterClrMapping/>
+  </p:clrMapOvr>
+</p:sld>
+</file>
+
+<file path=ppt/slides/slide16.xml><?xml version="1.0" encoding="utf-8"?>
+<p:sld xmlns:a="http://schemas.openxmlformats.org/drawingml/2006/main" xmlns:r="http://schemas.openxmlformats.org/officeDocument/2006/relationships" xmlns:p="http://schemas.openxmlformats.org/presentationml/2006/main">
+  <p:cSld>
+    <p:spTree>
+      <p:nvGrpSpPr>
+        <p:cNvPr id="1" name=""/>
+        <p:cNvGrpSpPr/>
+        <p:nvPr/>
+      </p:nvGrpSpPr>
+      <p:grpSpPr/>
+      <p:sp>
+        <p:nvSpPr>
+          <p:cNvPr id="3" name="副标题 2"/>
+          <p:cNvSpPr>
+            <a:spLocks noGrp="1"/>
+          </p:cNvSpPr>
+          <p:nvPr>
+            <p:ph type="subTitle" idx="1"/>
+          </p:nvPr>
+        </p:nvSpPr>
+        <p:spPr>
+          <a:xfrm>
+            <a:off x="1524000" y="326390"/>
+            <a:ext cx="9144000" cy="551815"/>
+          </a:xfrm>
+        </p:spPr>
+        <p:txBody>
+          <a:bodyPr/>
+          <a:p>
             <a:endParaRPr lang="zh-CN" altLang="en-US"/>
           </a:p>
         </p:txBody>
@@ -3393,6 +3741,30 @@
           </a:p>
         </p:txBody>
       </p:sp>
+      <p:pic>
+        <p:nvPicPr>
+          <p:cNvPr id="2" name="图片 1"/>
+          <p:cNvPicPr>
+            <a:picLocks noChangeAspect="1"/>
+          </p:cNvPicPr>
+          <p:nvPr/>
+        </p:nvPicPr>
+        <p:blipFill>
+          <a:blip r:embed="rId1"/>
+          <a:stretch>
+            <a:fillRect/>
+          </a:stretch>
+        </p:blipFill>
+        <p:spPr>
+          <a:xfrm>
+            <a:off x="1616075" y="1119505"/>
+            <a:ext cx="8409305" cy="4618990"/>
+          </a:xfrm>
+          <a:prstGeom prst="rect">
+            <a:avLst/>
+          </a:prstGeom>
+        </p:spPr>
+      </p:pic>
     </p:spTree>
   </p:cSld>
   <p:clrMapOvr>
@@ -3434,6 +3806,30 @@
           </a:p>
         </p:txBody>
       </p:sp>
+      <p:pic>
+        <p:nvPicPr>
+          <p:cNvPr id="2" name="图片 1"/>
+          <p:cNvPicPr>
+            <a:picLocks noChangeAspect="1"/>
+          </p:cNvPicPr>
+          <p:nvPr/>
+        </p:nvPicPr>
+        <p:blipFill>
+          <a:blip r:embed="rId1"/>
+          <a:stretch>
+            <a:fillRect/>
+          </a:stretch>
+        </p:blipFill>
+        <p:spPr>
+          <a:xfrm>
+            <a:off x="1416685" y="878205"/>
+            <a:ext cx="8304530" cy="2085975"/>
+          </a:xfrm>
+          <a:prstGeom prst="rect">
+            <a:avLst/>
+          </a:prstGeom>
+        </p:spPr>
+      </p:pic>
     </p:spTree>
   </p:cSld>
   <p:clrMapOvr>
@@ -3475,6 +3871,30 @@
           </a:p>
         </p:txBody>
       </p:sp>
+      <p:pic>
+        <p:nvPicPr>
+          <p:cNvPr id="2" name="图片 1"/>
+          <p:cNvPicPr>
+            <a:picLocks noChangeAspect="1"/>
+          </p:cNvPicPr>
+          <p:nvPr/>
+        </p:nvPicPr>
+        <p:blipFill>
+          <a:blip r:embed="rId1"/>
+          <a:stretch>
+            <a:fillRect/>
+          </a:stretch>
+        </p:blipFill>
+        <p:spPr>
+          <a:xfrm>
+            <a:off x="1812290" y="1106805"/>
+            <a:ext cx="8314055" cy="5057140"/>
+          </a:xfrm>
+          <a:prstGeom prst="rect">
+            <a:avLst/>
+          </a:prstGeom>
+        </p:spPr>
+      </p:pic>
     </p:spTree>
   </p:cSld>
   <p:clrMapOvr>
@@ -3516,6 +3936,30 @@
           </a:p>
         </p:txBody>
       </p:sp>
+      <p:pic>
+        <p:nvPicPr>
+          <p:cNvPr id="2" name="图片 1"/>
+          <p:cNvPicPr>
+            <a:picLocks noChangeAspect="1"/>
+          </p:cNvPicPr>
+          <p:nvPr/>
+        </p:nvPicPr>
+        <p:blipFill>
+          <a:blip r:embed="rId1"/>
+          <a:stretch>
+            <a:fillRect/>
+          </a:stretch>
+        </p:blipFill>
+        <p:spPr>
+          <a:xfrm>
+            <a:off x="2029460" y="1271905"/>
+            <a:ext cx="8133080" cy="4314190"/>
+          </a:xfrm>
+          <a:prstGeom prst="rect">
+            <a:avLst/>
+          </a:prstGeom>
+        </p:spPr>
+      </p:pic>
     </p:spTree>
   </p:cSld>
   <p:clrMapOvr>

--- a/云之梦PHP.pptx
+++ b/云之梦PHP.pptx
@@ -3233,10 +3233,38 @@
         <p:txBody>
           <a:bodyPr/>
           <a:p>
-            <a:endParaRPr lang="zh-CN" altLang="en-US"/>
-          </a:p>
-        </p:txBody>
-      </p:sp>
+            <a:r>
+              <a:rPr lang="zh-CN" altLang="en-US"/>
+              <a:t>判断是否登录</a:t>
+            </a:r>
+            <a:endParaRPr lang="zh-CN" altLang="en-US"/>
+          </a:p>
+        </p:txBody>
+      </p:sp>
+      <p:pic>
+        <p:nvPicPr>
+          <p:cNvPr id="2" name="图片 1"/>
+          <p:cNvPicPr>
+            <a:picLocks noChangeAspect="1"/>
+          </p:cNvPicPr>
+          <p:nvPr/>
+        </p:nvPicPr>
+        <p:blipFill>
+          <a:blip r:embed="rId1"/>
+          <a:stretch>
+            <a:fillRect/>
+          </a:stretch>
+        </p:blipFill>
+        <p:spPr>
+          <a:xfrm>
+            <a:off x="2066290" y="1036320"/>
+            <a:ext cx="7371715" cy="5038090"/>
+          </a:xfrm>
+          <a:prstGeom prst="rect">
+            <a:avLst/>
+          </a:prstGeom>
+        </p:spPr>
+      </p:pic>
     </p:spTree>
   </p:cSld>
   <p:clrMapOvr>
